--- a/gamePrésentation/Burger Builder.pptx
+++ b/gamePrésentation/Burger Builder.pptx
@@ -13,7 +13,7 @@
     <p:sldId id="259" r:id="rId4"/>
     <p:sldId id="258" r:id="rId5"/>
     <p:sldId id="260" r:id="rId6"/>
-    <p:sldId id="261" r:id="rId7"/>
+    <p:sldId id="270" r:id="rId7"/>
     <p:sldId id="263" r:id="rId8"/>
     <p:sldId id="264" r:id="rId9"/>
     <p:sldId id="268" r:id="rId10"/>
@@ -828,7 +828,7 @@
           <a:p>
             <a:fld id="{09C73D11-5B79-4462-8CCB-28E504322FA6}" type="datetimeFigureOut">
               <a:rPr lang="fr-CH" smtClean="0"/>
-              <a:t>12.06.18</a:t>
+              <a:t>12.06.2018</a:t>
             </a:fld>
             <a:endParaRPr lang="fr-CH"/>
           </a:p>
@@ -1039,7 +1039,7 @@
           <a:p>
             <a:fld id="{09C73D11-5B79-4462-8CCB-28E504322FA6}" type="datetimeFigureOut">
               <a:rPr lang="fr-CH" smtClean="0"/>
-              <a:t>12.06.18</a:t>
+              <a:t>12.06.2018</a:t>
             </a:fld>
             <a:endParaRPr lang="fr-CH"/>
           </a:p>
@@ -1254,7 +1254,7 @@
           <a:p>
             <a:fld id="{09C73D11-5B79-4462-8CCB-28E504322FA6}" type="datetimeFigureOut">
               <a:rPr lang="fr-CH" smtClean="0"/>
-              <a:t>12.06.18</a:t>
+              <a:t>12.06.2018</a:t>
             </a:fld>
             <a:endParaRPr lang="fr-CH"/>
           </a:p>
@@ -1455,7 +1455,7 @@
           <a:p>
             <a:fld id="{09C73D11-5B79-4462-8CCB-28E504322FA6}" type="datetimeFigureOut">
               <a:rPr lang="fr-CH" smtClean="0"/>
-              <a:t>12.06.18</a:t>
+              <a:t>12.06.2018</a:t>
             </a:fld>
             <a:endParaRPr lang="fr-CH"/>
           </a:p>
@@ -1734,7 +1734,7 @@
           <a:p>
             <a:fld id="{09C73D11-5B79-4462-8CCB-28E504322FA6}" type="datetimeFigureOut">
               <a:rPr lang="fr-CH" smtClean="0"/>
-              <a:t>12.06.18</a:t>
+              <a:t>12.06.2018</a:t>
             </a:fld>
             <a:endParaRPr lang="fr-CH"/>
           </a:p>
@@ -2002,7 +2002,7 @@
           <a:p>
             <a:fld id="{09C73D11-5B79-4462-8CCB-28E504322FA6}" type="datetimeFigureOut">
               <a:rPr lang="fr-CH" smtClean="0"/>
-              <a:t>12.06.18</a:t>
+              <a:t>12.06.2018</a:t>
             </a:fld>
             <a:endParaRPr lang="fr-CH"/>
           </a:p>
@@ -2418,7 +2418,7 @@
           <a:p>
             <a:fld id="{09C73D11-5B79-4462-8CCB-28E504322FA6}" type="datetimeFigureOut">
               <a:rPr lang="fr-CH" smtClean="0"/>
-              <a:t>12.06.18</a:t>
+              <a:t>12.06.2018</a:t>
             </a:fld>
             <a:endParaRPr lang="fr-CH"/>
           </a:p>
@@ -2567,7 +2567,7 @@
           <a:p>
             <a:fld id="{09C73D11-5B79-4462-8CCB-28E504322FA6}" type="datetimeFigureOut">
               <a:rPr lang="fr-CH" smtClean="0"/>
-              <a:t>12.06.18</a:t>
+              <a:t>12.06.2018</a:t>
             </a:fld>
             <a:endParaRPr lang="fr-CH"/>
           </a:p>
@@ -2693,7 +2693,7 @@
           <a:p>
             <a:fld id="{09C73D11-5B79-4462-8CCB-28E504322FA6}" type="datetimeFigureOut">
               <a:rPr lang="fr-CH" smtClean="0"/>
-              <a:t>12.06.18</a:t>
+              <a:t>12.06.2018</a:t>
             </a:fld>
             <a:endParaRPr lang="fr-CH"/>
           </a:p>
@@ -2944,7 +2944,7 @@
           <a:p>
             <a:fld id="{09C73D11-5B79-4462-8CCB-28E504322FA6}" type="datetimeFigureOut">
               <a:rPr lang="fr-CH" smtClean="0"/>
-              <a:t>12.06.18</a:t>
+              <a:t>12.06.2018</a:t>
             </a:fld>
             <a:endParaRPr lang="fr-CH"/>
           </a:p>
@@ -3389,7 +3389,7 @@
           <a:p>
             <a:fld id="{09C73D11-5B79-4462-8CCB-28E504322FA6}" type="datetimeFigureOut">
               <a:rPr lang="fr-CH" smtClean="0"/>
-              <a:t>12.06.18</a:t>
+              <a:t>12.06.2018</a:t>
             </a:fld>
             <a:endParaRPr lang="fr-CH"/>
           </a:p>
@@ -3715,7 +3715,7 @@
           <a:p>
             <a:fld id="{09C73D11-5B79-4462-8CCB-28E504322FA6}" type="datetimeFigureOut">
               <a:rPr lang="fr-CH" smtClean="0"/>
-              <a:t>12.06.18</a:t>
+              <a:t>12.06.2018</a:t>
             </a:fld>
             <a:endParaRPr lang="fr-CH"/>
           </a:p>
@@ -4223,8 +4223,8 @@
         </p:blipFill>
         <p:spPr>
           <a:xfrm>
-            <a:off x="2328784" y="2715712"/>
-            <a:ext cx="6817360" cy="1941506"/>
+            <a:off x="2082800" y="2715712"/>
+            <a:ext cx="7457440" cy="1941506"/>
           </a:xfrm>
           <a:prstGeom prst="rect">
             <a:avLst/>
@@ -4346,8 +4346,8 @@
         </p:blipFill>
         <p:spPr>
           <a:xfrm rot="21290956">
-            <a:off x="2374719" y="1146534"/>
-            <a:ext cx="6644640" cy="1322222"/>
+            <a:off x="2061121" y="1112359"/>
+            <a:ext cx="7068915" cy="1365456"/>
           </a:xfrm>
           <a:prstGeom prst="rect">
             <a:avLst/>
@@ -4503,6 +4503,36 @@
           <a:chExt cx="0" cy="0"/>
         </a:xfrm>
       </p:grpSpPr>
+      <p:pic>
+        <p:nvPicPr>
+          <p:cNvPr id="4" name="Image 3">
+            <a:extLst>
+              <a:ext uri="{FF2B5EF4-FFF2-40B4-BE49-F238E27FC236}">
+                <a16:creationId xmlns:a16="http://schemas.microsoft.com/office/drawing/2014/main" id="{CE3452A7-BD90-4BE5-9E19-45DB624F135F}"/>
+              </a:ext>
+            </a:extLst>
+          </p:cNvPr>
+          <p:cNvPicPr>
+            <a:picLocks noChangeAspect="1"/>
+          </p:cNvPicPr>
+          <p:nvPr/>
+        </p:nvPicPr>
+        <p:blipFill>
+          <a:blip r:embed="rId2"/>
+          <a:stretch>
+            <a:fillRect/>
+          </a:stretch>
+        </p:blipFill>
+        <p:spPr>
+          <a:xfrm>
+            <a:off x="1285875" y="1033801"/>
+            <a:ext cx="3181349" cy="780956"/>
+          </a:xfrm>
+          <a:prstGeom prst="rect">
+            <a:avLst/>
+          </a:prstGeom>
+        </p:spPr>
+      </p:pic>
       <p:sp>
         <p:nvSpPr>
           <p:cNvPr id="2" name="Titre 1">
@@ -4593,6 +4623,36 @@
           </a:p>
         </p:txBody>
       </p:sp>
+      <p:pic>
+        <p:nvPicPr>
+          <p:cNvPr id="5" name="Image 4">
+            <a:extLst>
+              <a:ext uri="{FF2B5EF4-FFF2-40B4-BE49-F238E27FC236}">
+                <a16:creationId xmlns:a16="http://schemas.microsoft.com/office/drawing/2014/main" id="{03138571-05A7-449C-9284-FBDA9DEC6896}"/>
+              </a:ext>
+            </a:extLst>
+          </p:cNvPr>
+          <p:cNvPicPr>
+            <a:picLocks noChangeAspect="1"/>
+          </p:cNvPicPr>
+          <p:nvPr/>
+        </p:nvPicPr>
+        <p:blipFill>
+          <a:blip r:embed="rId3"/>
+          <a:stretch>
+            <a:fillRect/>
+          </a:stretch>
+        </p:blipFill>
+        <p:spPr>
+          <a:xfrm>
+            <a:off x="1285874" y="441517"/>
+            <a:ext cx="3181349" cy="458564"/>
+          </a:xfrm>
+          <a:prstGeom prst="rect">
+            <a:avLst/>
+          </a:prstGeom>
+        </p:spPr>
+      </p:pic>
     </p:spTree>
     <p:extLst>
       <p:ext uri="{BB962C8B-B14F-4D97-AF65-F5344CB8AC3E}">
@@ -4623,6 +4683,36 @@
           <a:chExt cx="0" cy="0"/>
         </a:xfrm>
       </p:grpSpPr>
+      <p:pic>
+        <p:nvPicPr>
+          <p:cNvPr id="3" name="Image 2">
+            <a:extLst>
+              <a:ext uri="{FF2B5EF4-FFF2-40B4-BE49-F238E27FC236}">
+                <a16:creationId xmlns:a16="http://schemas.microsoft.com/office/drawing/2014/main" id="{3D53AAB5-6DF2-4822-8674-3AC7B582F1F4}"/>
+              </a:ext>
+            </a:extLst>
+          </p:cNvPr>
+          <p:cNvPicPr>
+            <a:picLocks noChangeAspect="1"/>
+          </p:cNvPicPr>
+          <p:nvPr/>
+        </p:nvPicPr>
+        <p:blipFill>
+          <a:blip r:embed="rId2"/>
+          <a:stretch>
+            <a:fillRect/>
+          </a:stretch>
+        </p:blipFill>
+        <p:spPr>
+          <a:xfrm>
+            <a:off x="4373243" y="1146442"/>
+            <a:ext cx="3181349" cy="780956"/>
+          </a:xfrm>
+          <a:prstGeom prst="rect">
+            <a:avLst/>
+          </a:prstGeom>
+        </p:spPr>
+      </p:pic>
       <p:sp>
         <p:nvSpPr>
           <p:cNvPr id="2" name="Titre 1">
@@ -4639,11 +4729,17 @@
             <p:ph type="title"/>
           </p:nvPr>
         </p:nvSpPr>
-        <p:spPr/>
+        <p:spPr>
+          <a:xfrm>
+            <a:off x="4831064" y="945802"/>
+            <a:ext cx="2529871" cy="1049235"/>
+          </a:xfrm>
+        </p:spPr>
         <p:txBody>
           <a:bodyPr/>
           <a:lstStyle/>
           <a:p>
+            <a:pPr algn="ctr"/>
             <a:r>
               <a:rPr lang="fr-CH" dirty="0"/>
               <a:t>Question ?</a:t>
@@ -4651,6 +4747,36 @@
           </a:p>
         </p:txBody>
       </p:sp>
+      <p:pic>
+        <p:nvPicPr>
+          <p:cNvPr id="4" name="Image 3">
+            <a:extLst>
+              <a:ext uri="{FF2B5EF4-FFF2-40B4-BE49-F238E27FC236}">
+                <a16:creationId xmlns:a16="http://schemas.microsoft.com/office/drawing/2014/main" id="{BA6C0399-5AB4-460B-8556-B6B4DB3A93B2}"/>
+              </a:ext>
+            </a:extLst>
+          </p:cNvPr>
+          <p:cNvPicPr>
+            <a:picLocks noChangeAspect="1"/>
+          </p:cNvPicPr>
+          <p:nvPr/>
+        </p:nvPicPr>
+        <p:blipFill>
+          <a:blip r:embed="rId3"/>
+          <a:stretch>
+            <a:fillRect/>
+          </a:stretch>
+        </p:blipFill>
+        <p:spPr>
+          <a:xfrm>
+            <a:off x="4373243" y="569440"/>
+            <a:ext cx="3181349" cy="458564"/>
+          </a:xfrm>
+          <a:prstGeom prst="rect">
+            <a:avLst/>
+          </a:prstGeom>
+        </p:spPr>
+      </p:pic>
     </p:spTree>
     <p:extLst>
       <p:ext uri="{BB962C8B-B14F-4D97-AF65-F5344CB8AC3E}">
@@ -5542,54 +5668,19 @@
           <a:chExt cx="0" cy="0"/>
         </a:xfrm>
       </p:grpSpPr>
-      <p:sp>
-        <p:nvSpPr>
-          <p:cNvPr id="2" name="Titre 1">
+      <p:pic>
+        <p:nvPicPr>
+          <p:cNvPr id="2" name="Espace réservé du contenu 4">
             <a:extLst>
               <a:ext uri="{FF2B5EF4-FFF2-40B4-BE49-F238E27FC236}">
-                <a16:creationId xmlns:a16="http://schemas.microsoft.com/office/drawing/2014/main" id="{9734068D-D36E-4DB7-A36C-AD44C9A2ACAF}"/>
-              </a:ext>
-            </a:extLst>
-          </p:cNvPr>
-          <p:cNvSpPr>
-            <a:spLocks noGrp="1"/>
-          </p:cNvSpPr>
-          <p:nvPr>
-            <p:ph type="title"/>
-          </p:nvPr>
-        </p:nvSpPr>
-        <p:spPr>
-          <a:xfrm>
-            <a:off x="1451579" y="804519"/>
-            <a:ext cx="2714021" cy="1049235"/>
-          </a:xfrm>
-        </p:spPr>
-        <p:txBody>
-          <a:bodyPr/>
-          <a:lstStyle/>
-          <a:p>
-            <a:r>
-              <a:rPr lang="fr-CH" dirty="0"/>
-              <a:t>UML 1</a:t>
-            </a:r>
-          </a:p>
-        </p:txBody>
-      </p:sp>
-      <p:pic>
-        <p:nvPicPr>
-          <p:cNvPr id="5" name="Espace réservé du contenu 4">
-            <a:extLst>
-              <a:ext uri="{FF2B5EF4-FFF2-40B4-BE49-F238E27FC236}">
-                <a16:creationId xmlns:a16="http://schemas.microsoft.com/office/drawing/2014/main" id="{421FD929-FD34-4935-B107-C22EB0B9F268}"/>
+                <a16:creationId xmlns:a16="http://schemas.microsoft.com/office/drawing/2014/main" id="{C2AC0727-0C7E-4A80-80D8-0C40300C48EC}"/>
               </a:ext>
             </a:extLst>
           </p:cNvPr>
           <p:cNvPicPr>
-            <a:picLocks noGrp="1" noChangeAspect="1"/>
+            <a:picLocks noChangeAspect="1"/>
           </p:cNvPicPr>
-          <p:nvPr>
-            <p:ph idx="1"/>
-          </p:nvPr>
+          <p:nvPr/>
         </p:nvPicPr>
         <p:blipFill>
           <a:blip r:embed="rId2">
@@ -5605,15 +5696,18 @@
         </p:blipFill>
         <p:spPr>
           <a:xfrm>
-            <a:off x="4549711" y="1"/>
+            <a:off x="2193373" y="1"/>
             <a:ext cx="7642289" cy="6857999"/>
           </a:xfrm>
+          <a:prstGeom prst="rect">
+            <a:avLst/>
+          </a:prstGeom>
         </p:spPr>
       </p:pic>
     </p:spTree>
     <p:extLst>
       <p:ext uri="{BB962C8B-B14F-4D97-AF65-F5344CB8AC3E}">
-        <p14:creationId xmlns:p14="http://schemas.microsoft.com/office/powerpoint/2010/main" val="2854034896"/>
+        <p14:creationId xmlns:p14="http://schemas.microsoft.com/office/powerpoint/2010/main" val="1579979706"/>
       </p:ext>
     </p:extLst>
   </p:cSld>
@@ -5662,13 +5756,13 @@
               </a:ext>
             </a:extLst>
           </a:blip>
-          <a:srcRect t="5412"/>
+          <a:srcRect t="5412" b="1002"/>
           <a:stretch/>
         </p:blipFill>
         <p:spPr>
           <a:xfrm>
-            <a:off x="0" y="109330"/>
-            <a:ext cx="12192000" cy="5905629"/>
+            <a:off x="0" y="109331"/>
+            <a:ext cx="12192000" cy="5843062"/>
           </a:xfrm>
           <a:prstGeom prst="rect">
             <a:avLst/>
@@ -5727,8 +5821,8 @@
         </p:blipFill>
         <p:spPr>
           <a:xfrm>
-            <a:off x="1178202" y="951334"/>
-            <a:ext cx="6405355" cy="902419"/>
+            <a:off x="1026160" y="951334"/>
+            <a:ext cx="6705600" cy="902419"/>
           </a:xfrm>
           <a:prstGeom prst="rect">
             <a:avLst/>
@@ -5891,8 +5985,8 @@
         </p:blipFill>
         <p:spPr>
           <a:xfrm>
-            <a:off x="1178201" y="175069"/>
-            <a:ext cx="6405355" cy="722735"/>
+            <a:off x="1026160" y="175069"/>
+            <a:ext cx="6705600" cy="722735"/>
           </a:xfrm>
           <a:prstGeom prst="rect">
             <a:avLst/>
@@ -5951,13 +6045,13 @@
               </a:ext>
             </a:extLst>
           </a:blip>
-          <a:srcRect t="5650"/>
+          <a:srcRect l="182" t="5649" r="182" b="1354"/>
           <a:stretch/>
         </p:blipFill>
         <p:spPr>
           <a:xfrm>
-            <a:off x="0" y="516835"/>
-            <a:ext cx="12236588" cy="4979505"/>
+            <a:off x="-26377" y="506217"/>
+            <a:ext cx="12218377" cy="4918637"/>
           </a:xfrm>
           <a:prstGeom prst="rect">
             <a:avLst/>

--- a/gamePrésentation/Burger Builder.pptx
+++ b/gamePrésentation/Burger Builder.pptx
@@ -828,7 +828,7 @@
           <a:p>
             <a:fld id="{09C73D11-5B79-4462-8CCB-28E504322FA6}" type="datetimeFigureOut">
               <a:rPr lang="fr-CH" smtClean="0"/>
-              <a:t>12.06.2018</a:t>
+              <a:t>12.06.18</a:t>
             </a:fld>
             <a:endParaRPr lang="fr-CH"/>
           </a:p>
@@ -1039,7 +1039,7 @@
           <a:p>
             <a:fld id="{09C73D11-5B79-4462-8CCB-28E504322FA6}" type="datetimeFigureOut">
               <a:rPr lang="fr-CH" smtClean="0"/>
-              <a:t>12.06.2018</a:t>
+              <a:t>12.06.18</a:t>
             </a:fld>
             <a:endParaRPr lang="fr-CH"/>
           </a:p>
@@ -1254,7 +1254,7 @@
           <a:p>
             <a:fld id="{09C73D11-5B79-4462-8CCB-28E504322FA6}" type="datetimeFigureOut">
               <a:rPr lang="fr-CH" smtClean="0"/>
-              <a:t>12.06.2018</a:t>
+              <a:t>12.06.18</a:t>
             </a:fld>
             <a:endParaRPr lang="fr-CH"/>
           </a:p>
@@ -1455,7 +1455,7 @@
           <a:p>
             <a:fld id="{09C73D11-5B79-4462-8CCB-28E504322FA6}" type="datetimeFigureOut">
               <a:rPr lang="fr-CH" smtClean="0"/>
-              <a:t>12.06.2018</a:t>
+              <a:t>12.06.18</a:t>
             </a:fld>
             <a:endParaRPr lang="fr-CH"/>
           </a:p>
@@ -1734,7 +1734,7 @@
           <a:p>
             <a:fld id="{09C73D11-5B79-4462-8CCB-28E504322FA6}" type="datetimeFigureOut">
               <a:rPr lang="fr-CH" smtClean="0"/>
-              <a:t>12.06.2018</a:t>
+              <a:t>12.06.18</a:t>
             </a:fld>
             <a:endParaRPr lang="fr-CH"/>
           </a:p>
@@ -2002,7 +2002,7 @@
           <a:p>
             <a:fld id="{09C73D11-5B79-4462-8CCB-28E504322FA6}" type="datetimeFigureOut">
               <a:rPr lang="fr-CH" smtClean="0"/>
-              <a:t>12.06.2018</a:t>
+              <a:t>12.06.18</a:t>
             </a:fld>
             <a:endParaRPr lang="fr-CH"/>
           </a:p>
@@ -2418,7 +2418,7 @@
           <a:p>
             <a:fld id="{09C73D11-5B79-4462-8CCB-28E504322FA6}" type="datetimeFigureOut">
               <a:rPr lang="fr-CH" smtClean="0"/>
-              <a:t>12.06.2018</a:t>
+              <a:t>12.06.18</a:t>
             </a:fld>
             <a:endParaRPr lang="fr-CH"/>
           </a:p>
@@ -2567,7 +2567,7 @@
           <a:p>
             <a:fld id="{09C73D11-5B79-4462-8CCB-28E504322FA6}" type="datetimeFigureOut">
               <a:rPr lang="fr-CH" smtClean="0"/>
-              <a:t>12.06.2018</a:t>
+              <a:t>12.06.18</a:t>
             </a:fld>
             <a:endParaRPr lang="fr-CH"/>
           </a:p>
@@ -2693,7 +2693,7 @@
           <a:p>
             <a:fld id="{09C73D11-5B79-4462-8CCB-28E504322FA6}" type="datetimeFigureOut">
               <a:rPr lang="fr-CH" smtClean="0"/>
-              <a:t>12.06.2018</a:t>
+              <a:t>12.06.18</a:t>
             </a:fld>
             <a:endParaRPr lang="fr-CH"/>
           </a:p>
@@ -2944,7 +2944,7 @@
           <a:p>
             <a:fld id="{09C73D11-5B79-4462-8CCB-28E504322FA6}" type="datetimeFigureOut">
               <a:rPr lang="fr-CH" smtClean="0"/>
-              <a:t>12.06.2018</a:t>
+              <a:t>12.06.18</a:t>
             </a:fld>
             <a:endParaRPr lang="fr-CH"/>
           </a:p>
@@ -3389,7 +3389,7 @@
           <a:p>
             <a:fld id="{09C73D11-5B79-4462-8CCB-28E504322FA6}" type="datetimeFigureOut">
               <a:rPr lang="fr-CH" smtClean="0"/>
-              <a:t>12.06.2018</a:t>
+              <a:t>12.06.18</a:t>
             </a:fld>
             <a:endParaRPr lang="fr-CH"/>
           </a:p>
@@ -3715,7 +3715,7 @@
           <a:p>
             <a:fld id="{09C73D11-5B79-4462-8CCB-28E504322FA6}" type="datetimeFigureOut">
               <a:rPr lang="fr-CH" smtClean="0"/>
-              <a:t>12.06.2018</a:t>
+              <a:t>12.06.18</a:t>
             </a:fld>
             <a:endParaRPr lang="fr-CH"/>
           </a:p>
@@ -4437,9 +4437,10 @@
           <a:p>
             <a:pPr algn="ctr"/>
             <a:r>
-              <a:rPr lang="fr-CH" dirty="0"/>
-              <a:t>Démo</a:t>
-            </a:r>
+              <a:rPr lang="fr-CH" dirty="0" err="1"/>
+              <a:t>DÉmo</a:t>
+            </a:r>
+            <a:endParaRPr lang="fr-CH" dirty="0"/>
           </a:p>
         </p:txBody>
       </p:sp>
@@ -4465,7 +4466,7 @@
         </p:blipFill>
         <p:spPr>
           <a:xfrm>
-            <a:off x="4905375" y="447040"/>
+            <a:off x="4905375" y="456768"/>
             <a:ext cx="2630170" cy="458564"/>
           </a:xfrm>
           <a:prstGeom prst="rect">
@@ -4705,7 +4706,7 @@
         </p:blipFill>
         <p:spPr>
           <a:xfrm>
-            <a:off x="4373243" y="1146442"/>
+            <a:off x="4373243" y="1049162"/>
             <a:ext cx="3181349" cy="780956"/>
           </a:xfrm>
           <a:prstGeom prst="rect">
@@ -5851,12 +5852,8 @@
           <a:lstStyle/>
           <a:p>
             <a:r>
-              <a:rPr lang="fr-CH" dirty="0" err="1"/>
-              <a:t>ImplÉmentation</a:t>
-            </a:r>
-            <a:r>
               <a:rPr lang="fr-CH" dirty="0"/>
-              <a:t> du </a:t>
+              <a:t>Implémentation du </a:t>
             </a:r>
             <a:r>
               <a:rPr lang="fr-CH" dirty="0" err="1"/>

--- a/gamePrésentation/Burger Builder.pptx
+++ b/gamePrésentation/Burger Builder.pptx
@@ -10,13 +10,13 @@
   <p:sldIdLst>
     <p:sldId id="256" r:id="rId2"/>
     <p:sldId id="257" r:id="rId3"/>
-    <p:sldId id="259" r:id="rId4"/>
-    <p:sldId id="258" r:id="rId5"/>
-    <p:sldId id="260" r:id="rId6"/>
-    <p:sldId id="270" r:id="rId7"/>
-    <p:sldId id="263" r:id="rId8"/>
-    <p:sldId id="264" r:id="rId9"/>
-    <p:sldId id="268" r:id="rId10"/>
+    <p:sldId id="258" r:id="rId4"/>
+    <p:sldId id="260" r:id="rId5"/>
+    <p:sldId id="270" r:id="rId6"/>
+    <p:sldId id="263" r:id="rId7"/>
+    <p:sldId id="264" r:id="rId8"/>
+    <p:sldId id="268" r:id="rId9"/>
+    <p:sldId id="272" r:id="rId10"/>
     <p:sldId id="269" r:id="rId11"/>
     <p:sldId id="265" r:id="rId12"/>
     <p:sldId id="266" r:id="rId13"/>
@@ -208,7 +208,7 @@
           <a:p>
             <a:fld id="{9CFAFBDD-7654-FE4C-8894-130F4E4840EC}" type="datetimeFigureOut">
               <a:rPr lang="fr-FR" smtClean="0"/>
-              <a:t>12/06/2018</a:t>
+              <a:t>13/06/2018</a:t>
             </a:fld>
             <a:endParaRPr lang="fr-FR"/>
           </a:p>
@@ -670,7 +670,7 @@
           <a:p>
             <a:fld id="{19102549-3D49-924A-A04F-158CFDE6A8B8}" type="slidenum">
               <a:rPr lang="fr-FR" smtClean="0"/>
-              <a:t>8</a:t>
+              <a:t>7</a:t>
             </a:fld>
             <a:endParaRPr lang="fr-FR"/>
           </a:p>
@@ -680,6 +680,245 @@
     <p:extLst>
       <p:ext uri="{BB962C8B-B14F-4D97-AF65-F5344CB8AC3E}">
         <p14:creationId xmlns:p14="http://schemas.microsoft.com/office/powerpoint/2010/main" val="3855655085"/>
+      </p:ext>
+    </p:extLst>
+  </p:cSld>
+  <p:clrMapOvr>
+    <a:masterClrMapping/>
+  </p:clrMapOvr>
+</p:notes>
+</file>
+
+<file path=ppt/notesSlides/notesSlide2.xml><?xml version="1.0" encoding="utf-8"?>
+<p:notes xmlns:a="http://schemas.openxmlformats.org/drawingml/2006/main" xmlns:r="http://schemas.openxmlformats.org/officeDocument/2006/relationships" xmlns:p="http://schemas.openxmlformats.org/presentationml/2006/main">
+  <p:cSld>
+    <p:spTree>
+      <p:nvGrpSpPr>
+        <p:cNvPr id="1" name=""/>
+        <p:cNvGrpSpPr/>
+        <p:nvPr/>
+      </p:nvGrpSpPr>
+      <p:grpSpPr>
+        <a:xfrm>
+          <a:off x="0" y="0"/>
+          <a:ext cx="0" cy="0"/>
+          <a:chOff x="0" y="0"/>
+          <a:chExt cx="0" cy="0"/>
+        </a:xfrm>
+      </p:grpSpPr>
+      <p:sp>
+        <p:nvSpPr>
+          <p:cNvPr id="2" name="Espace réservé de l'image des diapositives 1"/>
+          <p:cNvSpPr>
+            <a:spLocks noGrp="1" noRot="1" noChangeAspect="1"/>
+          </p:cNvSpPr>
+          <p:nvPr>
+            <p:ph type="sldImg"/>
+          </p:nvPr>
+        </p:nvSpPr>
+        <p:spPr/>
+      </p:sp>
+      <p:sp>
+        <p:nvSpPr>
+          <p:cNvPr id="3" name="Espace réservé des notes 2"/>
+          <p:cNvSpPr>
+            <a:spLocks noGrp="1"/>
+          </p:cNvSpPr>
+          <p:nvPr>
+            <p:ph type="body" idx="1"/>
+          </p:nvPr>
+        </p:nvSpPr>
+        <p:spPr/>
+        <p:txBody>
+          <a:bodyPr/>
+          <a:lstStyle/>
+          <a:p>
+            <a:r>
+              <a:rPr lang="fr-FR" dirty="0"/>
+              <a:t>Vu dans 1ère présentation que </a:t>
+            </a:r>
+            <a:r>
+              <a:rPr lang="fr-FR" dirty="0" err="1"/>
+              <a:t>Builder</a:t>
+            </a:r>
+            <a:r>
+              <a:rPr lang="fr-FR" dirty="0"/>
+              <a:t> a plein de façon d'être utilisé</a:t>
+            </a:r>
+          </a:p>
+          <a:p>
+            <a:endParaRPr lang="fr-FR" dirty="0"/>
+          </a:p>
+          <a:p>
+            <a:r>
+              <a:rPr lang="fr-FR" dirty="0"/>
+              <a:t>implémenté 2 façons dans </a:t>
+            </a:r>
+            <a:r>
+              <a:rPr lang="fr-FR" dirty="0" err="1"/>
+              <a:t>BurgerBuilder</a:t>
+            </a:r>
+            <a:endParaRPr lang="fr-FR" dirty="0"/>
+          </a:p>
+          <a:p>
+            <a:endParaRPr lang="fr-FR" dirty="0"/>
+          </a:p>
+          <a:p>
+            <a:r>
+              <a:rPr lang="fr-FR" dirty="0"/>
+              <a:t>1) burger tout fait -&gt; méthode </a:t>
+            </a:r>
+            <a:r>
+              <a:rPr lang="fr-FR" dirty="0" err="1"/>
+              <a:t>build</a:t>
+            </a:r>
+            <a:r>
+              <a:rPr lang="fr-FR" dirty="0"/>
+              <a:t>() -&gt; appelée à la création des menus -&gt; crée un burger type en </a:t>
+            </a:r>
+            <a:r>
+              <a:rPr lang="fr-FR" dirty="0" err="1"/>
+              <a:t>fct</a:t>
+            </a:r>
+            <a:r>
+              <a:rPr lang="fr-FR" dirty="0"/>
+              <a:t> du </a:t>
+            </a:r>
+            <a:r>
+              <a:rPr lang="fr-FR" dirty="0" err="1"/>
+              <a:t>builder</a:t>
+            </a:r>
+            <a:r>
+              <a:rPr lang="fr-FR" dirty="0"/>
+              <a:t> concret</a:t>
+            </a:r>
+          </a:p>
+          <a:p>
+            <a:endParaRPr lang="fr-FR" dirty="0"/>
+          </a:p>
+          <a:p>
+            <a:r>
+              <a:rPr lang="fr-FR" dirty="0"/>
+              <a:t>2) burger par étape -&gt; centre du jeu -&gt; quand utilisateur ajoute un condiment -&gt; ajout au </a:t>
+            </a:r>
+            <a:r>
+              <a:rPr lang="fr-FR" dirty="0" err="1"/>
+              <a:t>builder</a:t>
+            </a:r>
+            <a:r>
+              <a:rPr lang="fr-FR" dirty="0"/>
+              <a:t> </a:t>
+            </a:r>
+          </a:p>
+          <a:p>
+            <a:r>
+              <a:rPr lang="fr-FR" dirty="0"/>
+              <a:t>quand utilisateur livre au client -&gt; vérifie la validité du burger</a:t>
+            </a:r>
+          </a:p>
+          <a:p>
+            <a:r>
+              <a:rPr lang="fr-FR" dirty="0"/>
+              <a:t>-&gt; Si ok -&gt; livre burger, client paye et part</a:t>
+            </a:r>
+          </a:p>
+          <a:p>
+            <a:r>
+              <a:rPr lang="fr-FR" dirty="0"/>
+              <a:t>-&gt; Si pas ok -&gt; erreur -&gt; client paye pas, vomit et part</a:t>
+            </a:r>
+          </a:p>
+          <a:p>
+            <a:endParaRPr lang="fr-FR" dirty="0"/>
+          </a:p>
+          <a:p>
+            <a:endParaRPr lang="fr-FR" dirty="0"/>
+          </a:p>
+          <a:p>
+            <a:r>
+              <a:rPr lang="fr-FR" dirty="0"/>
+              <a:t>Tout dans </a:t>
+            </a:r>
+            <a:r>
+              <a:rPr lang="fr-FR" dirty="0" err="1"/>
+              <a:t>BurgerBuilder</a:t>
+            </a:r>
+            <a:r>
+              <a:rPr lang="fr-FR" dirty="0"/>
+              <a:t> (</a:t>
+            </a:r>
+            <a:r>
+              <a:rPr lang="fr-FR" dirty="0" err="1"/>
+              <a:t>builder</a:t>
+            </a:r>
+            <a:r>
+              <a:rPr lang="fr-FR" dirty="0"/>
+              <a:t> abstrait) car même traitement pour tout les burger dans le cadre de notre jeu</a:t>
+            </a:r>
+          </a:p>
+          <a:p>
+            <a:endParaRPr lang="fr-FR" dirty="0"/>
+          </a:p>
+          <a:p>
+            <a:r>
+              <a:rPr lang="fr-FR" dirty="0"/>
+              <a:t>Si on voulait changer cela:</a:t>
+            </a:r>
+          </a:p>
+          <a:p>
+            <a:r>
+              <a:rPr lang="fr-FR" dirty="0"/>
+              <a:t>-&gt; déclarer check() abstract dans </a:t>
+            </a:r>
+            <a:r>
+              <a:rPr lang="fr-FR" dirty="0" err="1"/>
+              <a:t>burgerBuild</a:t>
+            </a:r>
+            <a:endParaRPr lang="fr-FR" dirty="0"/>
+          </a:p>
+          <a:p>
+            <a:r>
+              <a:rPr lang="fr-FR" dirty="0"/>
+              <a:t>-&gt; implémentation propre à chaque </a:t>
+            </a:r>
+            <a:r>
+              <a:rPr lang="fr-FR" dirty="0" err="1"/>
+              <a:t>builder</a:t>
+            </a:r>
+            <a:r>
+              <a:rPr lang="fr-FR" dirty="0"/>
+              <a:t> concret</a:t>
+            </a:r>
+          </a:p>
+        </p:txBody>
+      </p:sp>
+      <p:sp>
+        <p:nvSpPr>
+          <p:cNvPr id="4" name="Espace réservé du numéro de diapositive 3"/>
+          <p:cNvSpPr>
+            <a:spLocks noGrp="1"/>
+          </p:cNvSpPr>
+          <p:nvPr>
+            <p:ph type="sldNum" sz="quarter" idx="10"/>
+          </p:nvPr>
+        </p:nvSpPr>
+        <p:spPr/>
+        <p:txBody>
+          <a:bodyPr/>
+          <a:lstStyle/>
+          <a:p>
+            <a:fld id="{19102549-3D49-924A-A04F-158CFDE6A8B8}" type="slidenum">
+              <a:rPr lang="fr-FR" smtClean="0"/>
+              <a:t>9</a:t>
+            </a:fld>
+            <a:endParaRPr lang="fr-FR"/>
+          </a:p>
+        </p:txBody>
+      </p:sp>
+    </p:spTree>
+    <p:extLst>
+      <p:ext uri="{BB962C8B-B14F-4D97-AF65-F5344CB8AC3E}">
+        <p14:creationId xmlns:p14="http://schemas.microsoft.com/office/powerpoint/2010/main" val="351705116"/>
       </p:ext>
     </p:extLst>
   </p:cSld>
@@ -828,7 +1067,7 @@
           <a:p>
             <a:fld id="{09C73D11-5B79-4462-8CCB-28E504322FA6}" type="datetimeFigureOut">
               <a:rPr lang="fr-CH" smtClean="0"/>
-              <a:t>12.06.18</a:t>
+              <a:t>13.06.2018</a:t>
             </a:fld>
             <a:endParaRPr lang="fr-CH"/>
           </a:p>
@@ -1039,7 +1278,7 @@
           <a:p>
             <a:fld id="{09C73D11-5B79-4462-8CCB-28E504322FA6}" type="datetimeFigureOut">
               <a:rPr lang="fr-CH" smtClean="0"/>
-              <a:t>12.06.18</a:t>
+              <a:t>13.06.2018</a:t>
             </a:fld>
             <a:endParaRPr lang="fr-CH"/>
           </a:p>
@@ -1254,7 +1493,7 @@
           <a:p>
             <a:fld id="{09C73D11-5B79-4462-8CCB-28E504322FA6}" type="datetimeFigureOut">
               <a:rPr lang="fr-CH" smtClean="0"/>
-              <a:t>12.06.18</a:t>
+              <a:t>13.06.2018</a:t>
             </a:fld>
             <a:endParaRPr lang="fr-CH"/>
           </a:p>
@@ -1455,7 +1694,7 @@
           <a:p>
             <a:fld id="{09C73D11-5B79-4462-8CCB-28E504322FA6}" type="datetimeFigureOut">
               <a:rPr lang="fr-CH" smtClean="0"/>
-              <a:t>12.06.18</a:t>
+              <a:t>13.06.2018</a:t>
             </a:fld>
             <a:endParaRPr lang="fr-CH"/>
           </a:p>
@@ -1734,7 +1973,7 @@
           <a:p>
             <a:fld id="{09C73D11-5B79-4462-8CCB-28E504322FA6}" type="datetimeFigureOut">
               <a:rPr lang="fr-CH" smtClean="0"/>
-              <a:t>12.06.18</a:t>
+              <a:t>13.06.2018</a:t>
             </a:fld>
             <a:endParaRPr lang="fr-CH"/>
           </a:p>
@@ -2002,7 +2241,7 @@
           <a:p>
             <a:fld id="{09C73D11-5B79-4462-8CCB-28E504322FA6}" type="datetimeFigureOut">
               <a:rPr lang="fr-CH" smtClean="0"/>
-              <a:t>12.06.18</a:t>
+              <a:t>13.06.2018</a:t>
             </a:fld>
             <a:endParaRPr lang="fr-CH"/>
           </a:p>
@@ -2418,7 +2657,7 @@
           <a:p>
             <a:fld id="{09C73D11-5B79-4462-8CCB-28E504322FA6}" type="datetimeFigureOut">
               <a:rPr lang="fr-CH" smtClean="0"/>
-              <a:t>12.06.18</a:t>
+              <a:t>13.06.2018</a:t>
             </a:fld>
             <a:endParaRPr lang="fr-CH"/>
           </a:p>
@@ -2567,7 +2806,7 @@
           <a:p>
             <a:fld id="{09C73D11-5B79-4462-8CCB-28E504322FA6}" type="datetimeFigureOut">
               <a:rPr lang="fr-CH" smtClean="0"/>
-              <a:t>12.06.18</a:t>
+              <a:t>13.06.2018</a:t>
             </a:fld>
             <a:endParaRPr lang="fr-CH"/>
           </a:p>
@@ -2693,7 +2932,7 @@
           <a:p>
             <a:fld id="{09C73D11-5B79-4462-8CCB-28E504322FA6}" type="datetimeFigureOut">
               <a:rPr lang="fr-CH" smtClean="0"/>
-              <a:t>12.06.18</a:t>
+              <a:t>13.06.2018</a:t>
             </a:fld>
             <a:endParaRPr lang="fr-CH"/>
           </a:p>
@@ -2944,7 +3183,7 @@
           <a:p>
             <a:fld id="{09C73D11-5B79-4462-8CCB-28E504322FA6}" type="datetimeFigureOut">
               <a:rPr lang="fr-CH" smtClean="0"/>
-              <a:t>12.06.18</a:t>
+              <a:t>13.06.2018</a:t>
             </a:fld>
             <a:endParaRPr lang="fr-CH"/>
           </a:p>
@@ -3389,7 +3628,7 @@
           <a:p>
             <a:fld id="{09C73D11-5B79-4462-8CCB-28E504322FA6}" type="datetimeFigureOut">
               <a:rPr lang="fr-CH" smtClean="0"/>
-              <a:t>12.06.18</a:t>
+              <a:t>13.06.2018</a:t>
             </a:fld>
             <a:endParaRPr lang="fr-CH"/>
           </a:p>
@@ -3715,7 +3954,7 @@
           <a:p>
             <a:fld id="{09C73D11-5B79-4462-8CCB-28E504322FA6}" type="datetimeFigureOut">
               <a:rPr lang="fr-CH" smtClean="0"/>
-              <a:t>12.06.18</a:t>
+              <a:t>13.06.2018</a:t>
             </a:fld>
             <a:endParaRPr lang="fr-CH"/>
           </a:p>
@@ -4345,7 +4584,7 @@
           </a:stretch>
         </p:blipFill>
         <p:spPr>
-          <a:xfrm rot="21290956">
+          <a:xfrm rot="21208892">
             <a:off x="2061121" y="1112359"/>
             <a:ext cx="7068915" cy="1365456"/>
           </a:xfrm>
@@ -4585,7 +4824,7 @@
           <a:p>
             <a:r>
               <a:rPr lang="fr-CH" dirty="0"/>
-              <a:t>Amélioration possible:</a:t>
+              <a:t>Améliorations possibles :</a:t>
             </a:r>
           </a:p>
           <a:p>
@@ -4889,7 +5128,7 @@
           <a:p>
             <a:r>
               <a:rPr lang="fr-CH" dirty="0"/>
-              <a:t>Introduction</a:t>
+              <a:t>Concept</a:t>
             </a:r>
           </a:p>
           <a:p>
@@ -4983,7 +5222,7 @@
           <p:cNvPr id="6" name="Image 5">
             <a:extLst>
               <a:ext uri="{FF2B5EF4-FFF2-40B4-BE49-F238E27FC236}">
-                <a16:creationId xmlns:a16="http://schemas.microsoft.com/office/drawing/2014/main" id="{0B6F3232-DAB9-734F-94E4-4EBC93CA8C6D}"/>
+                <a16:creationId xmlns:a16="http://schemas.microsoft.com/office/drawing/2014/main" id="{BCF3D4BF-DF00-4FE2-A920-5A12CCCFFA8A}"/>
               </a:ext>
             </a:extLst>
           </p:cNvPr>
@@ -4991,180 +5230,6 @@
             <a:picLocks noChangeAspect="1"/>
           </p:cNvPicPr>
           <p:nvPr/>
-        </p:nvPicPr>
-        <p:blipFill>
-          <a:blip r:embed="rId2"/>
-          <a:stretch>
-            <a:fillRect/>
-          </a:stretch>
-        </p:blipFill>
-        <p:spPr>
-          <a:xfrm>
-            <a:off x="1031638" y="899809"/>
-            <a:ext cx="3892054" cy="913356"/>
-          </a:xfrm>
-          <a:prstGeom prst="rect">
-            <a:avLst/>
-          </a:prstGeom>
-        </p:spPr>
-      </p:pic>
-      <p:pic>
-        <p:nvPicPr>
-          <p:cNvPr id="7" name="Image 6">
-            <a:extLst>
-              <a:ext uri="{FF2B5EF4-FFF2-40B4-BE49-F238E27FC236}">
-                <a16:creationId xmlns:a16="http://schemas.microsoft.com/office/drawing/2014/main" id="{62B057B4-9684-3143-A104-B07CBF9849B9}"/>
-              </a:ext>
-            </a:extLst>
-          </p:cNvPr>
-          <p:cNvPicPr>
-            <a:picLocks noChangeAspect="1"/>
-          </p:cNvPicPr>
-          <p:nvPr/>
-        </p:nvPicPr>
-        <p:blipFill>
-          <a:blip r:embed="rId3"/>
-          <a:stretch>
-            <a:fillRect/>
-          </a:stretch>
-        </p:blipFill>
-        <p:spPr>
-          <a:xfrm>
-            <a:off x="1031638" y="290146"/>
-            <a:ext cx="3892054" cy="609663"/>
-          </a:xfrm>
-          <a:prstGeom prst="rect">
-            <a:avLst/>
-          </a:prstGeom>
-        </p:spPr>
-      </p:pic>
-      <p:sp>
-        <p:nvSpPr>
-          <p:cNvPr id="2" name="Titre 1">
-            <a:extLst>
-              <a:ext uri="{FF2B5EF4-FFF2-40B4-BE49-F238E27FC236}">
-                <a16:creationId xmlns:a16="http://schemas.microsoft.com/office/drawing/2014/main" id="{78F820C0-5861-48BA-ACDB-F739A7C43C60}"/>
-              </a:ext>
-            </a:extLst>
-          </p:cNvPr>
-          <p:cNvSpPr>
-            <a:spLocks noGrp="1"/>
-          </p:cNvSpPr>
-          <p:nvPr>
-            <p:ph type="title"/>
-          </p:nvPr>
-        </p:nvSpPr>
-        <p:spPr/>
-        <p:txBody>
-          <a:bodyPr/>
-          <a:lstStyle/>
-          <a:p>
-            <a:r>
-              <a:rPr lang="fr-CH" dirty="0"/>
-              <a:t>Introduction</a:t>
-            </a:r>
-          </a:p>
-        </p:txBody>
-      </p:sp>
-      <p:sp>
-        <p:nvSpPr>
-          <p:cNvPr id="3" name="Espace réservé du contenu 2">
-            <a:extLst>
-              <a:ext uri="{FF2B5EF4-FFF2-40B4-BE49-F238E27FC236}">
-                <a16:creationId xmlns:a16="http://schemas.microsoft.com/office/drawing/2014/main" id="{8DC91231-11C3-45AA-AFA2-46575079059A}"/>
-              </a:ext>
-            </a:extLst>
-          </p:cNvPr>
-          <p:cNvSpPr>
-            <a:spLocks noGrp="1"/>
-          </p:cNvSpPr>
-          <p:nvPr>
-            <p:ph idx="1"/>
-          </p:nvPr>
-        </p:nvSpPr>
-        <p:spPr/>
-        <p:txBody>
-          <a:bodyPr/>
-          <a:lstStyle/>
-          <a:p>
-            <a:r>
-              <a:rPr lang="fr-CH" dirty="0"/>
-              <a:t>Création de burger</a:t>
-            </a:r>
-          </a:p>
-          <a:p>
-            <a:r>
-              <a:rPr lang="fr-CH" dirty="0"/>
-              <a:t>Rapidité et agilité</a:t>
-            </a:r>
-          </a:p>
-          <a:p>
-            <a:r>
-              <a:rPr lang="fr-CH" dirty="0"/>
-              <a:t>Jouable au clavier</a:t>
-            </a:r>
-          </a:p>
-          <a:p>
-            <a:endParaRPr lang="fr-CH" dirty="0"/>
-          </a:p>
-          <a:p>
-            <a:r>
-              <a:rPr lang="fr-CH" dirty="0"/>
-              <a:t>Java / </a:t>
-            </a:r>
-            <a:r>
-              <a:rPr lang="fr-CH" dirty="0" err="1"/>
-              <a:t>JavaFX</a:t>
-            </a:r>
-            <a:endParaRPr lang="fr-CH" dirty="0"/>
-          </a:p>
-        </p:txBody>
-      </p:sp>
-    </p:spTree>
-    <p:extLst>
-      <p:ext uri="{BB962C8B-B14F-4D97-AF65-F5344CB8AC3E}">
-        <p14:creationId xmlns:p14="http://schemas.microsoft.com/office/powerpoint/2010/main" val="2318146098"/>
-      </p:ext>
-    </p:extLst>
-  </p:cSld>
-  <p:clrMapOvr>
-    <a:masterClrMapping/>
-  </p:clrMapOvr>
-</p:sld>
-</file>
-
-<file path=ppt/slides/slide4.xml><?xml version="1.0" encoding="utf-8"?>
-<p:sld xmlns:a="http://schemas.openxmlformats.org/drawingml/2006/main" xmlns:r="http://schemas.openxmlformats.org/officeDocument/2006/relationships" xmlns:p="http://schemas.openxmlformats.org/presentationml/2006/main">
-  <p:cSld>
-    <p:spTree>
-      <p:nvGrpSpPr>
-        <p:cNvPr id="1" name=""/>
-        <p:cNvGrpSpPr/>
-        <p:nvPr/>
-      </p:nvGrpSpPr>
-      <p:grpSpPr>
-        <a:xfrm>
-          <a:off x="0" y="0"/>
-          <a:ext cx="0" cy="0"/>
-          <a:chOff x="0" y="0"/>
-          <a:chExt cx="0" cy="0"/>
-        </a:xfrm>
-      </p:grpSpPr>
-      <p:pic>
-        <p:nvPicPr>
-          <p:cNvPr id="5" name="Espace réservé du contenu 4">
-            <a:extLst>
-              <a:ext uri="{FF2B5EF4-FFF2-40B4-BE49-F238E27FC236}">
-                <a16:creationId xmlns:a16="http://schemas.microsoft.com/office/drawing/2014/main" id="{1F3D5372-C5CB-4C76-9B66-5C05D49E0B93}"/>
-              </a:ext>
-            </a:extLst>
-          </p:cNvPr>
-          <p:cNvPicPr>
-            <a:picLocks noGrp="1" noChangeAspect="1"/>
-          </p:cNvPicPr>
-          <p:nvPr>
-            <p:ph idx="1"/>
-          </p:nvPr>
         </p:nvPicPr>
         <p:blipFill>
           <a:blip r:embed="rId2">
@@ -5180,17 +5245,20 @@
         </p:blipFill>
         <p:spPr>
           <a:xfrm>
-            <a:off x="454468" y="0"/>
-            <a:ext cx="11450657" cy="6160692"/>
-          </a:xfrm>
+            <a:off x="0" y="0"/>
+            <a:ext cx="12192000" cy="6553200"/>
+          </a:xfrm>
+          <a:prstGeom prst="rect">
+            <a:avLst/>
+          </a:prstGeom>
         </p:spPr>
       </p:pic>
       <p:sp>
         <p:nvSpPr>
-          <p:cNvPr id="20" name="Rectangle 19">
+          <p:cNvPr id="11" name="Rectangle 10">
             <a:extLst>
               <a:ext uri="{FF2B5EF4-FFF2-40B4-BE49-F238E27FC236}">
-                <a16:creationId xmlns:a16="http://schemas.microsoft.com/office/drawing/2014/main" id="{C871DA34-DC2B-49B6-B2E5-791BD731DC43}"/>
+                <a16:creationId xmlns:a16="http://schemas.microsoft.com/office/drawing/2014/main" id="{D446A640-310D-47D6-870F-E0420FCAD323}"/>
               </a:ext>
             </a:extLst>
           </p:cNvPr>
@@ -5199,8 +5267,8 @@
         </p:nvSpPr>
         <p:spPr>
           <a:xfrm>
-            <a:off x="476150" y="395654"/>
-            <a:ext cx="852394" cy="3881581"/>
+            <a:off x="28576" y="421323"/>
+            <a:ext cx="914399" cy="4076700"/>
           </a:xfrm>
           <a:prstGeom prst="rect">
             <a:avLst/>
@@ -5243,10 +5311,10 @@
       </p:sp>
       <p:sp>
         <p:nvSpPr>
-          <p:cNvPr id="21" name="Rectangle 20">
+          <p:cNvPr id="12" name="Rectangle 11">
             <a:extLst>
               <a:ext uri="{FF2B5EF4-FFF2-40B4-BE49-F238E27FC236}">
-                <a16:creationId xmlns:a16="http://schemas.microsoft.com/office/drawing/2014/main" id="{DF74F26A-5F71-40DE-B2B7-6F58C96C186A}"/>
+                <a16:creationId xmlns:a16="http://schemas.microsoft.com/office/drawing/2014/main" id="{B95F82D9-6F3F-42D7-9EF9-8AC3A8971377}"/>
               </a:ext>
             </a:extLst>
           </p:cNvPr>
@@ -5255,8 +5323,8 @@
         </p:nvSpPr>
         <p:spPr>
           <a:xfrm>
-            <a:off x="1350226" y="1287974"/>
-            <a:ext cx="1788628" cy="3873035"/>
+            <a:off x="971551" y="1520507"/>
+            <a:ext cx="1838324" cy="4076699"/>
           </a:xfrm>
           <a:prstGeom prst="rect">
             <a:avLst/>
@@ -5264,7 +5332,7 @@
           <a:noFill/>
           <a:ln w="38100">
             <a:solidFill>
-              <a:srgbClr val="FFC000"/>
+              <a:schemeClr val="accent2"/>
             </a:solidFill>
           </a:ln>
         </p:spPr>
@@ -5299,10 +5367,10 @@
       </p:sp>
       <p:sp>
         <p:nvSpPr>
-          <p:cNvPr id="22" name="Rectangle 21">
+          <p:cNvPr id="13" name="Rectangle 12">
             <a:extLst>
               <a:ext uri="{FF2B5EF4-FFF2-40B4-BE49-F238E27FC236}">
-                <a16:creationId xmlns:a16="http://schemas.microsoft.com/office/drawing/2014/main" id="{A6602C0D-28D4-4C32-8793-D3F47BC0C56F}"/>
+                <a16:creationId xmlns:a16="http://schemas.microsoft.com/office/drawing/2014/main" id="{8BC87F25-8E25-41DE-B79F-3C8C137DACFB}"/>
               </a:ext>
             </a:extLst>
           </p:cNvPr>
@@ -5311,8 +5379,8 @@
         </p:nvSpPr>
         <p:spPr>
           <a:xfrm>
-            <a:off x="4211515" y="360486"/>
-            <a:ext cx="4346142" cy="1002323"/>
+            <a:off x="3795712" y="304800"/>
+            <a:ext cx="4600576" cy="1134269"/>
           </a:xfrm>
           <a:prstGeom prst="rect">
             <a:avLst/>
@@ -5355,10 +5423,10 @@
       </p:sp>
       <p:sp>
         <p:nvSpPr>
-          <p:cNvPr id="23" name="Rectangle 22">
+          <p:cNvPr id="14" name="Rectangle 13">
             <a:extLst>
               <a:ext uri="{FF2B5EF4-FFF2-40B4-BE49-F238E27FC236}">
-                <a16:creationId xmlns:a16="http://schemas.microsoft.com/office/drawing/2014/main" id="{B23476C8-3621-4765-8D3F-C945AE3FCB2B}"/>
+                <a16:creationId xmlns:a16="http://schemas.microsoft.com/office/drawing/2014/main" id="{D70EE6FD-2448-487C-B2AE-82D7E14D5347}"/>
               </a:ext>
             </a:extLst>
           </p:cNvPr>
@@ -5367,8 +5435,8 @@
         </p:nvSpPr>
         <p:spPr>
           <a:xfrm>
-            <a:off x="5893588" y="1644162"/>
-            <a:ext cx="1177573" cy="4194541"/>
+            <a:off x="5882054" y="1743870"/>
+            <a:ext cx="1072661" cy="4432530"/>
           </a:xfrm>
           <a:prstGeom prst="rect">
             <a:avLst/>
@@ -5411,10 +5479,10 @@
       </p:sp>
       <p:sp>
         <p:nvSpPr>
-          <p:cNvPr id="24" name="Rectangle 23">
+          <p:cNvPr id="15" name="Rectangle 14">
             <a:extLst>
               <a:ext uri="{FF2B5EF4-FFF2-40B4-BE49-F238E27FC236}">
-                <a16:creationId xmlns:a16="http://schemas.microsoft.com/office/drawing/2014/main" id="{36744B8A-052B-431D-B9C5-8A9D82A74C9B}"/>
+                <a16:creationId xmlns:a16="http://schemas.microsoft.com/office/drawing/2014/main" id="{6C516AA1-E0F3-4CE9-90F0-2499E7D44EA8}"/>
               </a:ext>
             </a:extLst>
           </p:cNvPr>
@@ -5423,8 +5491,8 @@
         </p:nvSpPr>
         <p:spPr>
           <a:xfrm>
-            <a:off x="9825895" y="371883"/>
-            <a:ext cx="2081971" cy="5466819"/>
+            <a:off x="9991726" y="356870"/>
+            <a:ext cx="2200274" cy="5855652"/>
           </a:xfrm>
           <a:prstGeom prst="rect">
             <a:avLst/>
@@ -5467,10 +5535,10 @@
       </p:sp>
       <p:sp>
         <p:nvSpPr>
-          <p:cNvPr id="25" name="Rectangle 24">
+          <p:cNvPr id="16" name="Rectangle 15">
             <a:extLst>
               <a:ext uri="{FF2B5EF4-FFF2-40B4-BE49-F238E27FC236}">
-                <a16:creationId xmlns:a16="http://schemas.microsoft.com/office/drawing/2014/main" id="{A875C072-C9F5-46C3-B4EF-FA19F485BDCA}"/>
+                <a16:creationId xmlns:a16="http://schemas.microsoft.com/office/drawing/2014/main" id="{430905DC-FAB6-4C07-8C90-9C2AB7968DE0}"/>
               </a:ext>
             </a:extLst>
           </p:cNvPr>
@@ -5479,8 +5547,8 @@
         </p:nvSpPr>
         <p:spPr>
           <a:xfrm>
-            <a:off x="4721469" y="5853294"/>
-            <a:ext cx="2919046" cy="292807"/>
+            <a:off x="4565332" y="6212522"/>
+            <a:ext cx="3061335" cy="340678"/>
           </a:xfrm>
           <a:prstGeom prst="rect">
             <a:avLst/>
@@ -5534,7 +5602,7 @@
 </p:sld>
 </file>
 
-<file path=ppt/slides/slide5.xml><?xml version="1.0" encoding="utf-8"?>
+<file path=ppt/slides/slide4.xml><?xml version="1.0" encoding="utf-8"?>
 <p:sld xmlns:a="http://schemas.openxmlformats.org/drawingml/2006/main" xmlns:r="http://schemas.openxmlformats.org/officeDocument/2006/relationships" xmlns:p="http://schemas.openxmlformats.org/presentationml/2006/main">
   <p:cSld>
     <p:spTree>
@@ -5573,14 +5641,49 @@
         </p:blipFill>
         <p:spPr>
           <a:xfrm>
-            <a:off x="617855" y="946244"/>
-            <a:ext cx="2630170" cy="780956"/>
+            <a:off x="4281854" y="1033801"/>
+            <a:ext cx="3912577" cy="780956"/>
           </a:xfrm>
           <a:prstGeom prst="rect">
             <a:avLst/>
           </a:prstGeom>
         </p:spPr>
       </p:pic>
+      <p:sp>
+        <p:nvSpPr>
+          <p:cNvPr id="2" name="Titre 1">
+            <a:extLst>
+              <a:ext uri="{FF2B5EF4-FFF2-40B4-BE49-F238E27FC236}">
+                <a16:creationId xmlns:a16="http://schemas.microsoft.com/office/drawing/2014/main" id="{05DC1A8D-4FDE-48FC-888B-1001F520DDD3}"/>
+              </a:ext>
+            </a:extLst>
+          </p:cNvPr>
+          <p:cNvSpPr>
+            <a:spLocks noGrp="1"/>
+          </p:cNvSpPr>
+          <p:nvPr>
+            <p:ph type="title"/>
+          </p:nvPr>
+        </p:nvSpPr>
+        <p:spPr>
+          <a:xfrm>
+            <a:off x="1451579" y="835269"/>
+            <a:ext cx="9603275" cy="1018485"/>
+          </a:xfrm>
+        </p:spPr>
+        <p:txBody>
+          <a:bodyPr/>
+          <a:lstStyle/>
+          <a:p>
+            <a:pPr algn="ctr"/>
+            <a:r>
+              <a:rPr lang="fr-CH" dirty="0" err="1"/>
+              <a:t>Implementation</a:t>
+            </a:r>
+            <a:endParaRPr lang="fr-CH" dirty="0"/>
+          </a:p>
+        </p:txBody>
+      </p:sp>
       <p:pic>
         <p:nvPicPr>
           <p:cNvPr id="5" name="Image 4">
@@ -5603,8 +5706,8 @@
         </p:blipFill>
         <p:spPr>
           <a:xfrm>
-            <a:off x="617855" y="487680"/>
-            <a:ext cx="2630170" cy="458564"/>
+            <a:off x="4281855" y="395654"/>
+            <a:ext cx="3912576" cy="523506"/>
           </a:xfrm>
           <a:prstGeom prst="rect">
             <a:avLst/>
@@ -5613,10 +5716,10 @@
       </p:pic>
       <p:sp>
         <p:nvSpPr>
-          <p:cNvPr id="2" name="Titre 1">
+          <p:cNvPr id="7" name="Espace réservé du contenu 2">
             <a:extLst>
               <a:ext uri="{FF2B5EF4-FFF2-40B4-BE49-F238E27FC236}">
-                <a16:creationId xmlns:a16="http://schemas.microsoft.com/office/drawing/2014/main" id="{05DC1A8D-4FDE-48FC-888B-1001F520DDD3}"/>
+                <a16:creationId xmlns:a16="http://schemas.microsoft.com/office/drawing/2014/main" id="{4BA5B7B7-C07D-4577-9209-F4015FF3F992}"/>
               </a:ext>
             </a:extLst>
           </p:cNvPr>
@@ -5624,18 +5727,40 @@
             <a:spLocks noGrp="1"/>
           </p:cNvSpPr>
           <p:nvPr>
-            <p:ph type="title"/>
-          </p:nvPr>
-        </p:nvSpPr>
-        <p:spPr/>
+            <p:ph idx="1"/>
+          </p:nvPr>
+        </p:nvSpPr>
+        <p:spPr>
+          <a:xfrm>
+            <a:off x="1451579" y="2015732"/>
+            <a:ext cx="9603275" cy="3450613"/>
+          </a:xfrm>
+        </p:spPr>
         <p:txBody>
           <a:bodyPr/>
           <a:lstStyle/>
           <a:p>
+            <a:pPr marL="457200" lvl="1" indent="0">
+              <a:buNone/>
+            </a:pPr>
+            <a:endParaRPr lang="fr-CH" dirty="0"/>
+          </a:p>
+          <a:p>
             <a:r>
               <a:rPr lang="fr-CH" dirty="0"/>
-              <a:t>UML</a:t>
-            </a:r>
+              <a:t>Langage : Java</a:t>
+            </a:r>
+          </a:p>
+          <a:p>
+            <a:r>
+              <a:rPr lang="fr-CH" dirty="0"/>
+              <a:t>Librairie Graphique : </a:t>
+            </a:r>
+            <a:r>
+              <a:rPr lang="fr-CH" dirty="0" err="1"/>
+              <a:t>JavaFX</a:t>
+            </a:r>
+            <a:endParaRPr lang="fr-CH" dirty="0"/>
           </a:p>
         </p:txBody>
       </p:sp>
@@ -5643,6 +5768,72 @@
     <p:extLst>
       <p:ext uri="{BB962C8B-B14F-4D97-AF65-F5344CB8AC3E}">
         <p14:creationId xmlns:p14="http://schemas.microsoft.com/office/powerpoint/2010/main" val="3533908404"/>
+      </p:ext>
+    </p:extLst>
+  </p:cSld>
+  <p:clrMapOvr>
+    <a:masterClrMapping/>
+  </p:clrMapOvr>
+</p:sld>
+</file>
+
+<file path=ppt/slides/slide5.xml><?xml version="1.0" encoding="utf-8"?>
+<p:sld xmlns:a="http://schemas.openxmlformats.org/drawingml/2006/main" xmlns:r="http://schemas.openxmlformats.org/officeDocument/2006/relationships" xmlns:p="http://schemas.openxmlformats.org/presentationml/2006/main">
+  <p:cSld>
+    <p:spTree>
+      <p:nvGrpSpPr>
+        <p:cNvPr id="1" name=""/>
+        <p:cNvGrpSpPr/>
+        <p:nvPr/>
+      </p:nvGrpSpPr>
+      <p:grpSpPr>
+        <a:xfrm>
+          <a:off x="0" y="0"/>
+          <a:ext cx="0" cy="0"/>
+          <a:chOff x="0" y="0"/>
+          <a:chExt cx="0" cy="0"/>
+        </a:xfrm>
+      </p:grpSpPr>
+      <p:pic>
+        <p:nvPicPr>
+          <p:cNvPr id="4" name="Image 3">
+            <a:extLst>
+              <a:ext uri="{FF2B5EF4-FFF2-40B4-BE49-F238E27FC236}">
+                <a16:creationId xmlns:a16="http://schemas.microsoft.com/office/drawing/2014/main" id="{AD3D31AA-01F1-432F-B798-F5ECC119745C}"/>
+              </a:ext>
+            </a:extLst>
+          </p:cNvPr>
+          <p:cNvPicPr>
+            <a:picLocks noChangeAspect="1"/>
+          </p:cNvPicPr>
+          <p:nvPr/>
+        </p:nvPicPr>
+        <p:blipFill>
+          <a:blip r:embed="rId2">
+            <a:extLst>
+              <a:ext uri="{28A0092B-C50C-407E-A947-70E740481C1C}">
+                <a14:useLocalDpi xmlns:a14="http://schemas.microsoft.com/office/drawing/2010/main" val="0"/>
+              </a:ext>
+            </a:extLst>
+          </a:blip>
+          <a:stretch>
+            <a:fillRect/>
+          </a:stretch>
+        </p:blipFill>
+        <p:spPr>
+          <a:xfrm>
+            <a:off x="2274853" y="0"/>
+            <a:ext cx="7642293" cy="6858000"/>
+          </a:xfrm>
+          <a:prstGeom prst="rect">
+            <a:avLst/>
+          </a:prstGeom>
+        </p:spPr>
+      </p:pic>
+    </p:spTree>
+    <p:extLst>
+      <p:ext uri="{BB962C8B-B14F-4D97-AF65-F5344CB8AC3E}">
+        <p14:creationId xmlns:p14="http://schemas.microsoft.com/office/powerpoint/2010/main" val="1579979706"/>
       </p:ext>
     </p:extLst>
   </p:cSld>
@@ -5671,76 +5862,10 @@
       </p:grpSpPr>
       <p:pic>
         <p:nvPicPr>
-          <p:cNvPr id="2" name="Espace réservé du contenu 4">
+          <p:cNvPr id="10" name="Image 9">
             <a:extLst>
               <a:ext uri="{FF2B5EF4-FFF2-40B4-BE49-F238E27FC236}">
-                <a16:creationId xmlns:a16="http://schemas.microsoft.com/office/drawing/2014/main" id="{C2AC0727-0C7E-4A80-80D8-0C40300C48EC}"/>
-              </a:ext>
-            </a:extLst>
-          </p:cNvPr>
-          <p:cNvPicPr>
-            <a:picLocks noChangeAspect="1"/>
-          </p:cNvPicPr>
-          <p:nvPr/>
-        </p:nvPicPr>
-        <p:blipFill>
-          <a:blip r:embed="rId2">
-            <a:extLst>
-              <a:ext uri="{28A0092B-C50C-407E-A947-70E740481C1C}">
-                <a14:useLocalDpi xmlns:a14="http://schemas.microsoft.com/office/drawing/2010/main" val="0"/>
-              </a:ext>
-            </a:extLst>
-          </a:blip>
-          <a:stretch>
-            <a:fillRect/>
-          </a:stretch>
-        </p:blipFill>
-        <p:spPr>
-          <a:xfrm>
-            <a:off x="2193373" y="1"/>
-            <a:ext cx="7642289" cy="6857999"/>
-          </a:xfrm>
-          <a:prstGeom prst="rect">
-            <a:avLst/>
-          </a:prstGeom>
-        </p:spPr>
-      </p:pic>
-    </p:spTree>
-    <p:extLst>
-      <p:ext uri="{BB962C8B-B14F-4D97-AF65-F5344CB8AC3E}">
-        <p14:creationId xmlns:p14="http://schemas.microsoft.com/office/powerpoint/2010/main" val="1579979706"/>
-      </p:ext>
-    </p:extLst>
-  </p:cSld>
-  <p:clrMapOvr>
-    <a:masterClrMapping/>
-  </p:clrMapOvr>
-</p:sld>
-</file>
-
-<file path=ppt/slides/slide7.xml><?xml version="1.0" encoding="utf-8"?>
-<p:sld xmlns:a="http://schemas.openxmlformats.org/drawingml/2006/main" xmlns:r="http://schemas.openxmlformats.org/officeDocument/2006/relationships" xmlns:p="http://schemas.openxmlformats.org/presentationml/2006/main">
-  <p:cSld>
-    <p:spTree>
-      <p:nvGrpSpPr>
-        <p:cNvPr id="1" name=""/>
-        <p:cNvGrpSpPr/>
-        <p:nvPr/>
-      </p:nvGrpSpPr>
-      <p:grpSpPr>
-        <a:xfrm>
-          <a:off x="0" y="0"/>
-          <a:ext cx="0" cy="0"/>
-          <a:chOff x="0" y="0"/>
-          <a:chExt cx="0" cy="0"/>
-        </a:xfrm>
-      </p:grpSpPr>
-      <p:pic>
-        <p:nvPicPr>
-          <p:cNvPr id="2" name="Espace réservé du contenu 4">
-            <a:extLst>
-              <a:ext uri="{FF2B5EF4-FFF2-40B4-BE49-F238E27FC236}">
-                <a16:creationId xmlns:a16="http://schemas.microsoft.com/office/drawing/2014/main" id="{39ADE803-9DB8-45EC-A292-E7513D891B75}"/>
+                <a16:creationId xmlns:a16="http://schemas.microsoft.com/office/drawing/2014/main" id="{B9DFFD8B-2300-4192-AEBD-9195DDF31E9E}"/>
               </a:ext>
             </a:extLst>
           </p:cNvPr>
@@ -5757,13 +5882,13 @@
               </a:ext>
             </a:extLst>
           </a:blip>
-          <a:srcRect t="5412" b="1002"/>
+          <a:srcRect l="865" t="5157" r="1130" b="844"/>
           <a:stretch/>
         </p:blipFill>
         <p:spPr>
           <a:xfrm>
-            <a:off x="0" y="109331"/>
-            <a:ext cx="12192000" cy="5843062"/>
+            <a:off x="121627" y="167055"/>
+            <a:ext cx="11948746" cy="6005146"/>
           </a:xfrm>
           <a:prstGeom prst="rect">
             <a:avLst/>
@@ -5783,7 +5908,7 @@
 </p:sld>
 </file>
 
-<file path=ppt/slides/slide8.xml><?xml version="1.0" encoding="utf-8"?>
+<file path=ppt/slides/slide7.xml><?xml version="1.0" encoding="utf-8"?>
 <p:sld xmlns:a="http://schemas.openxmlformats.org/drawingml/2006/main" xmlns:r="http://schemas.openxmlformats.org/officeDocument/2006/relationships" xmlns:p="http://schemas.openxmlformats.org/presentationml/2006/main">
   <p:cSld>
     <p:spTree>
@@ -5884,79 +6009,7 @@
           <a:bodyPr/>
           <a:lstStyle/>
           <a:p>
-            <a:r>
-              <a:rPr lang="fr-CH" dirty="0"/>
-              <a:t>2 façons d’utiliser ce modèle implémentées</a:t>
-            </a:r>
-          </a:p>
-          <a:p>
-            <a:pPr lvl="1"/>
-            <a:r>
-              <a:rPr lang="fr-CH" dirty="0"/>
-              <a:t>Demander un burger « tout fait »</a:t>
-            </a:r>
-          </a:p>
-          <a:p>
-            <a:pPr lvl="1"/>
-            <a:r>
-              <a:rPr lang="fr-CH" dirty="0"/>
-              <a:t>Créer un burger petit à petit</a:t>
-            </a:r>
-          </a:p>
-          <a:p>
-            <a:pPr lvl="1"/>
             <a:endParaRPr lang="fr-CH" dirty="0"/>
-          </a:p>
-          <a:p>
-            <a:r>
-              <a:rPr lang="fr-CH" dirty="0"/>
-              <a:t>Méthodes regroupées dans </a:t>
-            </a:r>
-            <a:r>
-              <a:rPr lang="fr-CH" dirty="0" err="1"/>
-              <a:t>builder</a:t>
-            </a:r>
-            <a:r>
-              <a:rPr lang="fr-CH" dirty="0"/>
-              <a:t> abstrait</a:t>
-            </a:r>
-          </a:p>
-          <a:p>
-            <a:pPr lvl="1"/>
-            <a:r>
-              <a:rPr lang="fr-CH" dirty="0"/>
-              <a:t>Certaines pourraient être abstraite dans </a:t>
-            </a:r>
-            <a:r>
-              <a:rPr lang="fr-CH" dirty="0" err="1"/>
-              <a:t>builder</a:t>
-            </a:r>
-            <a:r>
-              <a:rPr lang="fr-CH" dirty="0"/>
-              <a:t> abstrait</a:t>
-            </a:r>
-          </a:p>
-          <a:p>
-            <a:pPr lvl="1"/>
-            <a:r>
-              <a:rPr lang="fr-CH" dirty="0"/>
-              <a:t>Implémentées différemment dans chaque </a:t>
-            </a:r>
-            <a:r>
-              <a:rPr lang="fr-CH" dirty="0" err="1"/>
-              <a:t>builder</a:t>
-            </a:r>
-            <a:r>
-              <a:rPr lang="fr-CH" dirty="0"/>
-              <a:t> concret</a:t>
-            </a:r>
-          </a:p>
-          <a:p>
-            <a:pPr lvl="1"/>
-            <a:r>
-              <a:rPr lang="fr-CH" dirty="0"/>
-              <a:t>Inutile dans le cadre de notre application</a:t>
-            </a:r>
           </a:p>
         </p:txBody>
       </p:sp>
@@ -5990,10 +6043,105 @@
           </a:prstGeom>
         </p:spPr>
       </p:pic>
+      <p:pic>
+        <p:nvPicPr>
+          <p:cNvPr id="6" name="Image 5">
+            <a:extLst>
+              <a:ext uri="{FF2B5EF4-FFF2-40B4-BE49-F238E27FC236}">
+                <a16:creationId xmlns:a16="http://schemas.microsoft.com/office/drawing/2014/main" id="{5A02DA83-D937-4BF2-90CD-88D85EA6FB6F}"/>
+              </a:ext>
+            </a:extLst>
+          </p:cNvPr>
+          <p:cNvPicPr>
+            <a:picLocks noChangeAspect="1"/>
+          </p:cNvPicPr>
+          <p:nvPr/>
+        </p:nvPicPr>
+        <p:blipFill>
+          <a:blip r:embed="rId5"/>
+          <a:stretch>
+            <a:fillRect/>
+          </a:stretch>
+        </p:blipFill>
+        <p:spPr>
+          <a:xfrm>
+            <a:off x="1589018" y="2041980"/>
+            <a:ext cx="9013964" cy="3424365"/>
+          </a:xfrm>
+          <a:prstGeom prst="rect">
+            <a:avLst/>
+          </a:prstGeom>
+        </p:spPr>
+      </p:pic>
     </p:spTree>
     <p:extLst>
       <p:ext uri="{BB962C8B-B14F-4D97-AF65-F5344CB8AC3E}">
         <p14:creationId xmlns:p14="http://schemas.microsoft.com/office/powerpoint/2010/main" val="3622119519"/>
+      </p:ext>
+    </p:extLst>
+  </p:cSld>
+  <p:clrMapOvr>
+    <a:masterClrMapping/>
+  </p:clrMapOvr>
+</p:sld>
+</file>
+
+<file path=ppt/slides/slide8.xml><?xml version="1.0" encoding="utf-8"?>
+<p:sld xmlns:a="http://schemas.openxmlformats.org/drawingml/2006/main" xmlns:r="http://schemas.openxmlformats.org/officeDocument/2006/relationships" xmlns:p="http://schemas.openxmlformats.org/presentationml/2006/main">
+  <p:cSld>
+    <p:spTree>
+      <p:nvGrpSpPr>
+        <p:cNvPr id="1" name=""/>
+        <p:cNvGrpSpPr/>
+        <p:nvPr/>
+      </p:nvGrpSpPr>
+      <p:grpSpPr>
+        <a:xfrm>
+          <a:off x="0" y="0"/>
+          <a:ext cx="0" cy="0"/>
+          <a:chOff x="0" y="0"/>
+          <a:chExt cx="0" cy="0"/>
+        </a:xfrm>
+      </p:grpSpPr>
+      <p:pic>
+        <p:nvPicPr>
+          <p:cNvPr id="4" name="Image 3">
+            <a:extLst>
+              <a:ext uri="{FF2B5EF4-FFF2-40B4-BE49-F238E27FC236}">
+                <a16:creationId xmlns:a16="http://schemas.microsoft.com/office/drawing/2014/main" id="{96AEF80C-0F8C-4FCA-A481-A1DC512F4675}"/>
+              </a:ext>
+            </a:extLst>
+          </p:cNvPr>
+          <p:cNvPicPr>
+            <a:picLocks noChangeAspect="1"/>
+          </p:cNvPicPr>
+          <p:nvPr/>
+        </p:nvPicPr>
+        <p:blipFill rotWithShape="1">
+          <a:blip r:embed="rId2">
+            <a:extLst>
+              <a:ext uri="{28A0092B-C50C-407E-A947-70E740481C1C}">
+                <a14:useLocalDpi xmlns:a14="http://schemas.microsoft.com/office/drawing/2010/main" val="0"/>
+              </a:ext>
+            </a:extLst>
+          </a:blip>
+          <a:srcRect l="792" t="5337" r="555" b="784"/>
+          <a:stretch/>
+        </p:blipFill>
+        <p:spPr>
+          <a:xfrm>
+            <a:off x="47703" y="371475"/>
+            <a:ext cx="11977610" cy="5753101"/>
+          </a:xfrm>
+          <a:prstGeom prst="rect">
+            <a:avLst/>
+          </a:prstGeom>
+        </p:spPr>
+      </p:pic>
+    </p:spTree>
+    <p:extLst>
+      <p:ext uri="{BB962C8B-B14F-4D97-AF65-F5344CB8AC3E}">
+        <p14:creationId xmlns:p14="http://schemas.microsoft.com/office/powerpoint/2010/main" val="100326981"/>
       </p:ext>
     </p:extLst>
   </p:cSld>
@@ -6022,10 +6170,10 @@
       </p:grpSpPr>
       <p:pic>
         <p:nvPicPr>
-          <p:cNvPr id="3" name="Espace réservé du contenu 3">
+          <p:cNvPr id="5" name="Image 4">
             <a:extLst>
               <a:ext uri="{FF2B5EF4-FFF2-40B4-BE49-F238E27FC236}">
-                <a16:creationId xmlns:a16="http://schemas.microsoft.com/office/drawing/2014/main" id="{67771642-E2F6-D642-B86F-A9BF44AB9F7B}"/>
+                <a16:creationId xmlns:a16="http://schemas.microsoft.com/office/drawing/2014/main" id="{2ACCE995-733E-4EF9-90F0-19610933681C}"/>
               </a:ext>
             </a:extLst>
           </p:cNvPr>
@@ -6034,21 +6182,176 @@
           </p:cNvPicPr>
           <p:nvPr/>
         </p:nvPicPr>
-        <p:blipFill rotWithShape="1">
-          <a:blip r:embed="rId2">
+        <p:blipFill>
+          <a:blip r:embed="rId3"/>
+          <a:stretch>
+            <a:fillRect/>
+          </a:stretch>
+        </p:blipFill>
+        <p:spPr>
+          <a:xfrm>
+            <a:off x="1026160" y="951334"/>
+            <a:ext cx="6705600" cy="902419"/>
+          </a:xfrm>
+          <a:prstGeom prst="rect">
+            <a:avLst/>
+          </a:prstGeom>
+        </p:spPr>
+      </p:pic>
+      <p:sp>
+        <p:nvSpPr>
+          <p:cNvPr id="2" name="Titre 1">
             <a:extLst>
-              <a:ext uri="{28A0092B-C50C-407E-A947-70E740481C1C}">
-                <a14:useLocalDpi xmlns:a14="http://schemas.microsoft.com/office/drawing/2010/main" val="0"/>
+              <a:ext uri="{FF2B5EF4-FFF2-40B4-BE49-F238E27FC236}">
+                <a16:creationId xmlns:a16="http://schemas.microsoft.com/office/drawing/2014/main" id="{0094EC7D-68F0-4F80-B39A-284CB6947BD2}"/>
               </a:ext>
             </a:extLst>
-          </a:blip>
-          <a:srcRect l="182" t="5649" r="182" b="1354"/>
-          <a:stretch/>
+          </p:cNvPr>
+          <p:cNvSpPr>
+            <a:spLocks noGrp="1"/>
+          </p:cNvSpPr>
+          <p:nvPr>
+            <p:ph type="title"/>
+          </p:nvPr>
+        </p:nvSpPr>
+        <p:spPr/>
+        <p:txBody>
+          <a:bodyPr/>
+          <a:lstStyle/>
+          <a:p>
+            <a:r>
+              <a:rPr lang="fr-CH" dirty="0"/>
+              <a:t>Implémentation du </a:t>
+            </a:r>
+            <a:r>
+              <a:rPr lang="fr-CH" dirty="0" err="1"/>
+              <a:t>Builder</a:t>
+            </a:r>
+            <a:endParaRPr lang="fr-CH" dirty="0"/>
+          </a:p>
+        </p:txBody>
+      </p:sp>
+      <p:sp>
+        <p:nvSpPr>
+          <p:cNvPr id="3" name="Espace réservé du contenu 2">
+            <a:extLst>
+              <a:ext uri="{FF2B5EF4-FFF2-40B4-BE49-F238E27FC236}">
+                <a16:creationId xmlns:a16="http://schemas.microsoft.com/office/drawing/2014/main" id="{53DD7603-D798-45DE-AAF5-BA0F50BE1882}"/>
+              </a:ext>
+            </a:extLst>
+          </p:cNvPr>
+          <p:cNvSpPr>
+            <a:spLocks noGrp="1"/>
+          </p:cNvSpPr>
+          <p:nvPr>
+            <p:ph idx="1"/>
+          </p:nvPr>
+        </p:nvSpPr>
+        <p:spPr/>
+        <p:txBody>
+          <a:bodyPr/>
+          <a:lstStyle/>
+          <a:p>
+            <a:r>
+              <a:rPr lang="fr-CH" dirty="0"/>
+              <a:t>2 façons d’utiliser ce modèle implémentées</a:t>
+            </a:r>
+          </a:p>
+          <a:p>
+            <a:pPr lvl="1"/>
+            <a:r>
+              <a:rPr lang="fr-CH" dirty="0"/>
+              <a:t>Demander un burger « tout fait »</a:t>
+            </a:r>
+          </a:p>
+          <a:p>
+            <a:pPr lvl="1"/>
+            <a:r>
+              <a:rPr lang="fr-CH" dirty="0"/>
+              <a:t>Créer un burger petit à petit</a:t>
+            </a:r>
+          </a:p>
+          <a:p>
+            <a:pPr lvl="1"/>
+            <a:endParaRPr lang="fr-CH" dirty="0"/>
+          </a:p>
+          <a:p>
+            <a:r>
+              <a:rPr lang="fr-CH" dirty="0"/>
+              <a:t>Méthodes regroupées dans </a:t>
+            </a:r>
+            <a:r>
+              <a:rPr lang="fr-CH" dirty="0" err="1"/>
+              <a:t>builder</a:t>
+            </a:r>
+            <a:r>
+              <a:rPr lang="fr-CH" dirty="0"/>
+              <a:t> abstrait</a:t>
+            </a:r>
+          </a:p>
+          <a:p>
+            <a:pPr lvl="1"/>
+            <a:r>
+              <a:rPr lang="fr-CH" dirty="0"/>
+              <a:t>Certaines pourraient être abstraite dans </a:t>
+            </a:r>
+            <a:r>
+              <a:rPr lang="fr-CH" dirty="0" err="1"/>
+              <a:t>builder</a:t>
+            </a:r>
+            <a:r>
+              <a:rPr lang="fr-CH" dirty="0"/>
+              <a:t> abstrait</a:t>
+            </a:r>
+          </a:p>
+          <a:p>
+            <a:pPr lvl="1"/>
+            <a:r>
+              <a:rPr lang="fr-CH" dirty="0"/>
+              <a:t>Implémentées différemment dans chaque </a:t>
+            </a:r>
+            <a:r>
+              <a:rPr lang="fr-CH" dirty="0" err="1"/>
+              <a:t>builder</a:t>
+            </a:r>
+            <a:r>
+              <a:rPr lang="fr-CH" dirty="0"/>
+              <a:t> concret</a:t>
+            </a:r>
+          </a:p>
+          <a:p>
+            <a:pPr lvl="1"/>
+            <a:r>
+              <a:rPr lang="fr-CH" dirty="0"/>
+              <a:t>Inutile dans le cadre de notre application</a:t>
+            </a:r>
+          </a:p>
+        </p:txBody>
+      </p:sp>
+      <p:pic>
+        <p:nvPicPr>
+          <p:cNvPr id="4" name="Image 3">
+            <a:extLst>
+              <a:ext uri="{FF2B5EF4-FFF2-40B4-BE49-F238E27FC236}">
+                <a16:creationId xmlns:a16="http://schemas.microsoft.com/office/drawing/2014/main" id="{BBF8C326-96BC-4847-9EA5-E4353209BC22}"/>
+              </a:ext>
+            </a:extLst>
+          </p:cNvPr>
+          <p:cNvPicPr>
+            <a:picLocks noChangeAspect="1"/>
+          </p:cNvPicPr>
+          <p:nvPr/>
+        </p:nvPicPr>
+        <p:blipFill>
+          <a:blip r:embed="rId4"/>
+          <a:stretch>
+            <a:fillRect/>
+          </a:stretch>
         </p:blipFill>
         <p:spPr>
           <a:xfrm>
-            <a:off x="-26377" y="506217"/>
-            <a:ext cx="12218377" cy="4918637"/>
+            <a:off x="1026160" y="175069"/>
+            <a:ext cx="6705600" cy="722735"/>
           </a:xfrm>
           <a:prstGeom prst="rect">
             <a:avLst/>
@@ -6058,7 +6361,7 @@
     </p:spTree>
     <p:extLst>
       <p:ext uri="{BB962C8B-B14F-4D97-AF65-F5344CB8AC3E}">
-        <p14:creationId xmlns:p14="http://schemas.microsoft.com/office/powerpoint/2010/main" val="100326981"/>
+        <p14:creationId xmlns:p14="http://schemas.microsoft.com/office/powerpoint/2010/main" val="3345699133"/>
       </p:ext>
     </p:extLst>
   </p:cSld>
